--- a/img/pappus.pptx
+++ b/img/pappus.pptx
@@ -151,7 +151,7 @@
       </p14:sectionLst>
     </p:ext>
     <p:ext uri="{EFAFB233-063F-42B5-8137-9DF3F51BA10A}">
-      <p15:sldGuideLst xmlns="" xmlns:p15="http://schemas.microsoft.com/office/powerpoint/2012/main">
+      <p15:sldGuideLst xmlns:p15="http://schemas.microsoft.com/office/powerpoint/2012/main" xmlns="">
         <p15:guide id="1" orient="horz" pos="2160">
           <p15:clr>
             <a:srgbClr val="A4A3A4"/>
@@ -165,7 +165,7 @@
       </p15:sldGuideLst>
     </p:ext>
     <p:ext uri="{2D200454-40CA-4A62-9FC3-DE9A4176ACB9}">
-      <p15:notesGuideLst xmlns="" xmlns:p15="http://schemas.microsoft.com/office/powerpoint/2012/main">
+      <p15:notesGuideLst xmlns:p15="http://schemas.microsoft.com/office/powerpoint/2012/main" xmlns="">
         <p15:guide id="1" orient="horz" pos="3223">
           <p15:clr>
             <a:srgbClr val="A4A3A4"/>
@@ -1958,9 +1958,9 @@
         <p:grpSpPr>
           <a:xfrm>
             <a:off x="1460085" y="1357333"/>
-            <a:ext cx="3202179" cy="1995543"/>
+            <a:ext cx="3202179" cy="1946427"/>
             <a:chOff x="1028038" y="1063784"/>
-            <a:chExt cx="3202179" cy="1995543"/>
+            <a:chExt cx="3202179" cy="1946427"/>
           </a:xfrm>
         </p:grpSpPr>
         <p:cxnSp>
@@ -2000,8 +2000,8 @@
             </a:fontRef>
           </p:style>
         </p:cxnSp>
-        <mc:AlternateContent xmlns:mc="http://schemas.openxmlformats.org/markup-compatibility/2006">
-          <mc:Choice xmlns:a14="http://schemas.microsoft.com/office/drawing/2010/main" Requires="a14">
+        <mc:AlternateContent xmlns:mc="http://schemas.openxmlformats.org/markup-compatibility/2006" xmlns:a14="http://schemas.microsoft.com/office/drawing/2010/main">
+          <mc:Choice Requires="a14">
             <p:sp>
               <p:nvSpPr>
                 <p:cNvPr id="39" name="テキスト ボックス 38"/>
@@ -2011,7 +2011,7 @@
               <p:spPr>
                 <a:xfrm>
                   <a:off x="2250867" y="1183830"/>
-                  <a:ext cx="288032" cy="276999"/>
+                  <a:ext cx="288032" cy="253916"/>
                 </a:xfrm>
                 <a:prstGeom prst="rect">
                   <a:avLst/>
@@ -2036,7 +2036,7 @@
                       </m:oMathParaPr>
                       <m:oMath xmlns:m="http://schemas.openxmlformats.org/officeDocument/2006/math">
                         <m:r>
-                          <a:rPr lang="en-US" altLang="ja-JP" sz="1200" b="0" i="1" smtClean="0">
+                          <a:rPr lang="en-US" altLang="ja-JP" sz="1050" b="0" i="1" smtClean="0">
                             <a:latin typeface="Cambria Math"/>
                             <a:ea typeface="HG丸ｺﾞｼｯｸM-PRO" panose="020F0600000000000000" pitchFamily="50" charset="-128"/>
                             <a:cs typeface="Courier New" pitchFamily="49" charset="0"/>
@@ -2046,7 +2046,7 @@
                       </m:oMath>
                     </m:oMathPara>
                   </a14:m>
-                  <a:endParaRPr lang="en-US" altLang="ja-JP" sz="1200">
+                  <a:endParaRPr lang="en-US" altLang="ja-JP" sz="1050">
                     <a:latin typeface="HG丸ｺﾞｼｯｸM-PRO" panose="020F0600000000000000" pitchFamily="50" charset="-128"/>
                     <a:ea typeface="HG丸ｺﾞｼｯｸM-PRO" panose="020F0600000000000000" pitchFamily="50" charset="-128"/>
                     <a:cs typeface="Courier New" pitchFamily="49" charset="0"/>
@@ -2055,7 +2055,7 @@
               </p:txBody>
             </p:sp>
           </mc:Choice>
-          <mc:Fallback>
+          <mc:Fallback xmlns="">
             <p:sp>
               <p:nvSpPr>
                 <p:cNvPr id="39" name="テキスト ボックス 38"/>
@@ -2098,8 +2098,8 @@
             </p:sp>
           </mc:Fallback>
         </mc:AlternateContent>
-        <mc:AlternateContent xmlns:mc="http://schemas.openxmlformats.org/markup-compatibility/2006">
-          <mc:Choice xmlns:a14="http://schemas.microsoft.com/office/drawing/2010/main" Requires="a14">
+        <mc:AlternateContent xmlns:mc="http://schemas.openxmlformats.org/markup-compatibility/2006" xmlns:a14="http://schemas.microsoft.com/office/drawing/2010/main">
+          <mc:Choice Requires="a14">
             <p:sp>
               <p:nvSpPr>
                 <p:cNvPr id="45" name="テキスト ボックス 44"/>
@@ -2109,7 +2109,7 @@
               <p:spPr>
                 <a:xfrm>
                   <a:off x="3641523" y="1118126"/>
-                  <a:ext cx="277281" cy="276999"/>
+                  <a:ext cx="277281" cy="253916"/>
                 </a:xfrm>
                 <a:prstGeom prst="rect">
                   <a:avLst/>
@@ -2136,7 +2136,7 @@
                         <m:sSub>
                           <m:sSubPr>
                             <m:ctrlPr>
-                              <a:rPr lang="en-US" altLang="ja-JP" sz="1200" b="0" i="1" smtClean="0">
+                              <a:rPr lang="en-US" altLang="ja-JP" sz="1050" b="0" i="1" smtClean="0">
                                 <a:latin typeface="Cambria Math"/>
                                 <a:ea typeface="Cambria Math"/>
                                 <a:cs typeface="Courier New" pitchFamily="49" charset="0"/>
@@ -2145,7 +2145,7 @@
                           </m:sSubPr>
                           <m:e>
                             <m:r>
-                              <a:rPr lang="en-US" altLang="ja-JP" sz="1200" b="0" i="1" smtClean="0">
+                              <a:rPr lang="en-US" altLang="ja-JP" sz="1050" b="0" i="1" smtClean="0">
                                 <a:latin typeface="Cambria Math"/>
                                 <a:ea typeface="Cambria Math"/>
                                 <a:cs typeface="Courier New" pitchFamily="49" charset="0"/>
@@ -2155,7 +2155,7 @@
                           </m:e>
                           <m:sub>
                             <m:r>
-                              <a:rPr lang="en-US" altLang="ja-JP" sz="1200" b="0" i="1" smtClean="0">
+                              <a:rPr lang="en-US" altLang="ja-JP" sz="1050" b="0" i="1" smtClean="0">
                                 <a:latin typeface="Cambria Math"/>
                                 <a:ea typeface="Cambria Math"/>
                                 <a:cs typeface="Courier New" pitchFamily="49" charset="0"/>
@@ -2167,7 +2167,7 @@
                       </m:oMath>
                     </m:oMathPara>
                   </a14:m>
-                  <a:endParaRPr lang="en-US" altLang="ja-JP" sz="1200">
+                  <a:endParaRPr lang="en-US" altLang="ja-JP" sz="1050">
                     <a:latin typeface="HG丸ｺﾞｼｯｸM-PRO" panose="020F0600000000000000" pitchFamily="50" charset="-128"/>
                     <a:ea typeface="HG丸ｺﾞｼｯｸM-PRO" panose="020F0600000000000000" pitchFamily="50" charset="-128"/>
                     <a:cs typeface="Courier New" pitchFamily="49" charset="0"/>
@@ -2176,7 +2176,7 @@
               </p:txBody>
             </p:sp>
           </mc:Choice>
-          <mc:Fallback>
+          <mc:Fallback xmlns="">
             <p:sp>
               <p:nvSpPr>
                 <p:cNvPr id="45" name="テキスト ボックス 44"/>
@@ -2266,8 +2266,8 @@
           </p:nvCxnSpPr>
           <p:spPr>
             <a:xfrm flipV="1">
-              <a:off x="2310484" y="1421113"/>
-              <a:ext cx="431210" cy="949988"/>
+              <a:off x="2310484" y="1398030"/>
+              <a:ext cx="431210" cy="973071"/>
             </a:xfrm>
             <a:prstGeom prst="straightConnector1">
               <a:avLst/>
@@ -2295,8 +2295,8 @@
             </a:fontRef>
           </p:style>
         </p:cxnSp>
-        <mc:AlternateContent xmlns:mc="http://schemas.openxmlformats.org/markup-compatibility/2006">
-          <mc:Choice xmlns:a14="http://schemas.microsoft.com/office/drawing/2010/main" Requires="a14">
+        <mc:AlternateContent xmlns:mc="http://schemas.openxmlformats.org/markup-compatibility/2006" xmlns:a14="http://schemas.microsoft.com/office/drawing/2010/main">
+          <mc:Choice Requires="a14">
             <p:sp>
               <p:nvSpPr>
                 <p:cNvPr id="27" name="テキスト ボックス 26"/>
@@ -2306,7 +2306,7 @@
               <p:spPr>
                 <a:xfrm>
                   <a:off x="2597678" y="1144114"/>
-                  <a:ext cx="288032" cy="276999"/>
+                  <a:ext cx="288032" cy="253916"/>
                 </a:xfrm>
                 <a:prstGeom prst="rect">
                   <a:avLst/>
@@ -2331,7 +2331,7 @@
                       </m:oMathParaPr>
                       <m:oMath xmlns:m="http://schemas.openxmlformats.org/officeDocument/2006/math">
                         <m:r>
-                          <a:rPr lang="en-US" altLang="ja-JP" sz="1200" b="0" i="1" smtClean="0">
+                          <a:rPr lang="en-US" altLang="ja-JP" sz="1050" b="0" i="1" smtClean="0">
                             <a:latin typeface="Cambria Math"/>
                             <a:ea typeface="HG丸ｺﾞｼｯｸM-PRO" panose="020F0600000000000000" pitchFamily="50" charset="-128"/>
                             <a:cs typeface="Courier New" pitchFamily="49" charset="0"/>
@@ -2341,7 +2341,7 @@
                       </m:oMath>
                     </m:oMathPara>
                   </a14:m>
-                  <a:endParaRPr lang="en-US" altLang="ja-JP" sz="1200">
+                  <a:endParaRPr lang="en-US" altLang="ja-JP" sz="1050">
                     <a:latin typeface="HG丸ｺﾞｼｯｸM-PRO" panose="020F0600000000000000" pitchFamily="50" charset="-128"/>
                     <a:ea typeface="HG丸ｺﾞｼｯｸM-PRO" panose="020F0600000000000000" pitchFamily="50" charset="-128"/>
                     <a:cs typeface="Courier New" pitchFamily="49" charset="0"/>
@@ -2350,7 +2350,7 @@
               </p:txBody>
             </p:sp>
           </mc:Choice>
-          <mc:Fallback>
+          <mc:Fallback xmlns="">
             <p:sp>
               <p:nvSpPr>
                 <p:cNvPr id="27" name="テキスト ボックス 26"/>
@@ -2393,8 +2393,8 @@
             </p:sp>
           </mc:Fallback>
         </mc:AlternateContent>
-        <mc:AlternateContent xmlns:mc="http://schemas.openxmlformats.org/markup-compatibility/2006">
-          <mc:Choice xmlns:a14="http://schemas.microsoft.com/office/drawing/2010/main" Requires="a14">
+        <mc:AlternateContent xmlns:mc="http://schemas.openxmlformats.org/markup-compatibility/2006" xmlns:a14="http://schemas.microsoft.com/office/drawing/2010/main">
+          <mc:Choice Requires="a14">
             <p:sp>
               <p:nvSpPr>
                 <p:cNvPr id="28" name="テキスト ボックス 27"/>
@@ -2404,7 +2404,7 @@
               <p:spPr>
                 <a:xfrm>
                   <a:off x="3093321" y="1063784"/>
-                  <a:ext cx="288032" cy="276999"/>
+                  <a:ext cx="288032" cy="253916"/>
                 </a:xfrm>
                 <a:prstGeom prst="rect">
                   <a:avLst/>
@@ -2429,7 +2429,7 @@
                       </m:oMathParaPr>
                       <m:oMath xmlns:m="http://schemas.openxmlformats.org/officeDocument/2006/math">
                         <m:r>
-                          <a:rPr lang="en-US" altLang="ja-JP" sz="1200" b="0" i="1" smtClean="0">
+                          <a:rPr lang="en-US" altLang="ja-JP" sz="1050" b="0" i="1" smtClean="0">
                             <a:latin typeface="Cambria Math"/>
                             <a:ea typeface="HG丸ｺﾞｼｯｸM-PRO" panose="020F0600000000000000" pitchFamily="50" charset="-128"/>
                             <a:cs typeface="Courier New" pitchFamily="49" charset="0"/>
@@ -2439,7 +2439,7 @@
                       </m:oMath>
                     </m:oMathPara>
                   </a14:m>
-                  <a:endParaRPr lang="en-US" altLang="ja-JP" sz="1200">
+                  <a:endParaRPr lang="en-US" altLang="ja-JP" sz="1050">
                     <a:latin typeface="HG丸ｺﾞｼｯｸM-PRO" panose="020F0600000000000000" pitchFamily="50" charset="-128"/>
                     <a:ea typeface="HG丸ｺﾞｼｯｸM-PRO" panose="020F0600000000000000" pitchFamily="50" charset="-128"/>
                     <a:cs typeface="Courier New" pitchFamily="49" charset="0"/>
@@ -2448,7 +2448,7 @@
               </p:txBody>
             </p:sp>
           </mc:Choice>
-          <mc:Fallback>
+          <mc:Fallback xmlns="">
             <p:sp>
               <p:nvSpPr>
                 <p:cNvPr id="28" name="テキスト ボックス 27"/>
@@ -2491,8 +2491,8 @@
             </p:sp>
           </mc:Fallback>
         </mc:AlternateContent>
-        <mc:AlternateContent xmlns:mc="http://schemas.openxmlformats.org/markup-compatibility/2006">
-          <mc:Choice xmlns:a14="http://schemas.microsoft.com/office/drawing/2010/main" Requires="a14">
+        <mc:AlternateContent xmlns:mc="http://schemas.openxmlformats.org/markup-compatibility/2006" xmlns:a14="http://schemas.microsoft.com/office/drawing/2010/main">
+          <mc:Choice Requires="a14">
             <p:sp>
               <p:nvSpPr>
                 <p:cNvPr id="29" name="テキスト ボックス 28"/>
@@ -2502,7 +2502,7 @@
               <p:spPr>
                 <a:xfrm>
                   <a:off x="1968018" y="2378462"/>
-                  <a:ext cx="647234" cy="276999"/>
+                  <a:ext cx="647234" cy="253916"/>
                 </a:xfrm>
                 <a:prstGeom prst="rect">
                   <a:avLst/>
@@ -2527,7 +2527,7 @@
                       </m:oMathParaPr>
                       <m:oMath xmlns:m="http://schemas.openxmlformats.org/officeDocument/2006/math">
                         <m:r>
-                          <a:rPr lang="en-US" altLang="ja-JP" sz="1200" b="0" i="1" smtClean="0">
+                          <a:rPr lang="en-US" altLang="ja-JP" sz="1050" b="0" i="1" smtClean="0">
                             <a:latin typeface="Cambria Math"/>
                             <a:ea typeface="HG丸ｺﾞｼｯｸM-PRO" panose="020F0600000000000000" pitchFamily="50" charset="-128"/>
                             <a:cs typeface="Courier New" pitchFamily="49" charset="0"/>
@@ -2535,7 +2535,7 @@
                           <m:t>𝑄</m:t>
                         </m:r>
                         <m:r>
-                          <a:rPr lang="en-US" altLang="ja-JP" sz="1200" b="0" i="1" smtClean="0">
+                          <a:rPr lang="en-US" altLang="ja-JP" sz="1050" b="0" i="1" smtClean="0">
                             <a:latin typeface="Cambria Math"/>
                             <a:ea typeface="HG丸ｺﾞｼｯｸM-PRO" panose="020F0600000000000000" pitchFamily="50" charset="-128"/>
                             <a:cs typeface="Courier New" pitchFamily="49" charset="0"/>
@@ -2543,7 +2543,7 @@
                           <m:t>+</m:t>
                         </m:r>
                         <m:r>
-                          <a:rPr lang="en-US" altLang="ja-JP" sz="1200" b="0" i="1" smtClean="0">
+                          <a:rPr lang="en-US" altLang="ja-JP" sz="1050" b="0" i="1" smtClean="0">
                             <a:latin typeface="Cambria Math"/>
                             <a:ea typeface="HG丸ｺﾞｼｯｸM-PRO" panose="020F0600000000000000" pitchFamily="50" charset="-128"/>
                             <a:cs typeface="Courier New" pitchFamily="49" charset="0"/>
@@ -2553,7 +2553,7 @@
                       </m:oMath>
                     </m:oMathPara>
                   </a14:m>
-                  <a:endParaRPr lang="en-US" altLang="ja-JP" sz="1200">
+                  <a:endParaRPr lang="en-US" altLang="ja-JP" sz="1050">
                     <a:latin typeface="HG丸ｺﾞｼｯｸM-PRO" panose="020F0600000000000000" pitchFamily="50" charset="-128"/>
                     <a:ea typeface="HG丸ｺﾞｼｯｸM-PRO" panose="020F0600000000000000" pitchFamily="50" charset="-128"/>
                     <a:cs typeface="Courier New" pitchFamily="49" charset="0"/>
@@ -2562,7 +2562,7 @@
               </p:txBody>
             </p:sp>
           </mc:Choice>
-          <mc:Fallback>
+          <mc:Fallback xmlns="">
             <p:sp>
               <p:nvSpPr>
                 <p:cNvPr id="29" name="テキスト ボックス 28"/>
@@ -2605,8 +2605,8 @@
             </p:sp>
           </mc:Fallback>
         </mc:AlternateContent>
-        <mc:AlternateContent xmlns:mc="http://schemas.openxmlformats.org/markup-compatibility/2006">
-          <mc:Choice xmlns:a14="http://schemas.microsoft.com/office/drawing/2010/main" Requires="a14">
+        <mc:AlternateContent xmlns:mc="http://schemas.openxmlformats.org/markup-compatibility/2006" xmlns:a14="http://schemas.microsoft.com/office/drawing/2010/main">
+          <mc:Choice Requires="a14">
             <p:sp>
               <p:nvSpPr>
                 <p:cNvPr id="30" name="テキスト ボックス 29"/>
@@ -2616,7 +2616,7 @@
               <p:spPr>
                 <a:xfrm>
                   <a:off x="2536160" y="2435374"/>
-                  <a:ext cx="647234" cy="276999"/>
+                  <a:ext cx="647234" cy="253916"/>
                 </a:xfrm>
                 <a:prstGeom prst="rect">
                   <a:avLst/>
@@ -2641,7 +2641,7 @@
                       </m:oMathParaPr>
                       <m:oMath xmlns:m="http://schemas.openxmlformats.org/officeDocument/2006/math">
                         <m:r>
-                          <a:rPr lang="en-US" altLang="ja-JP" sz="1200" b="0" i="1" smtClean="0">
+                          <a:rPr lang="en-US" altLang="ja-JP" sz="1050" b="0" i="1" smtClean="0">
                             <a:latin typeface="Cambria Math"/>
                             <a:ea typeface="HG丸ｺﾞｼｯｸM-PRO" panose="020F0600000000000000" pitchFamily="50" charset="-128"/>
                             <a:cs typeface="Courier New" pitchFamily="49" charset="0"/>
@@ -2649,7 +2649,7 @@
                           <m:t>𝑃</m:t>
                         </m:r>
                         <m:r>
-                          <a:rPr lang="en-US" altLang="ja-JP" sz="1200" b="0" i="1" smtClean="0">
+                          <a:rPr lang="en-US" altLang="ja-JP" sz="1050" b="0" i="1" smtClean="0">
                             <a:latin typeface="Cambria Math"/>
                             <a:ea typeface="HG丸ｺﾞｼｯｸM-PRO" panose="020F0600000000000000" pitchFamily="50" charset="-128"/>
                             <a:cs typeface="Courier New" pitchFamily="49" charset="0"/>
@@ -2657,7 +2657,7 @@
                           <m:t>+</m:t>
                         </m:r>
                         <m:r>
-                          <a:rPr lang="en-US" altLang="ja-JP" sz="1200" b="0" i="1" smtClean="0">
+                          <a:rPr lang="en-US" altLang="ja-JP" sz="1050" b="0" i="1" smtClean="0">
                             <a:latin typeface="Cambria Math"/>
                             <a:ea typeface="HG丸ｺﾞｼｯｸM-PRO" panose="020F0600000000000000" pitchFamily="50" charset="-128"/>
                             <a:cs typeface="Courier New" pitchFamily="49" charset="0"/>
@@ -2667,7 +2667,7 @@
                       </m:oMath>
                     </m:oMathPara>
                   </a14:m>
-                  <a:endParaRPr lang="en-US" altLang="ja-JP" sz="1200">
+                  <a:endParaRPr lang="en-US" altLang="ja-JP" sz="1050">
                     <a:latin typeface="HG丸ｺﾞｼｯｸM-PRO" panose="020F0600000000000000" pitchFamily="50" charset="-128"/>
                     <a:ea typeface="HG丸ｺﾞｼｯｸM-PRO" panose="020F0600000000000000" pitchFamily="50" charset="-128"/>
                     <a:cs typeface="Courier New" pitchFamily="49" charset="0"/>
@@ -2676,7 +2676,7 @@
               </p:txBody>
             </p:sp>
           </mc:Choice>
-          <mc:Fallback>
+          <mc:Fallback xmlns="">
             <p:sp>
               <p:nvSpPr>
                 <p:cNvPr id="30" name="テキスト ボックス 29"/>
@@ -2719,8 +2719,8 @@
             </p:sp>
           </mc:Fallback>
         </mc:AlternateContent>
-        <mc:AlternateContent xmlns:mc="http://schemas.openxmlformats.org/markup-compatibility/2006">
-          <mc:Choice xmlns:a14="http://schemas.microsoft.com/office/drawing/2010/main" Requires="a14">
+        <mc:AlternateContent xmlns:mc="http://schemas.openxmlformats.org/markup-compatibility/2006" xmlns:a14="http://schemas.microsoft.com/office/drawing/2010/main">
+          <mc:Choice Requires="a14">
             <p:sp>
               <p:nvSpPr>
                 <p:cNvPr id="31" name="テキスト ボックス 30"/>
@@ -2730,7 +2730,7 @@
               <p:spPr>
                 <a:xfrm>
                   <a:off x="3390604" y="2435374"/>
-                  <a:ext cx="647234" cy="276999"/>
+                  <a:ext cx="647234" cy="253916"/>
                 </a:xfrm>
                 <a:prstGeom prst="rect">
                   <a:avLst/>
@@ -2755,7 +2755,7 @@
                       </m:oMathParaPr>
                       <m:oMath xmlns:m="http://schemas.openxmlformats.org/officeDocument/2006/math">
                         <m:r>
-                          <a:rPr lang="en-US" altLang="ja-JP" sz="1200" b="0" i="1" smtClean="0">
+                          <a:rPr lang="en-US" altLang="ja-JP" sz="1050" b="0" i="1" smtClean="0">
                             <a:latin typeface="Cambria Math"/>
                             <a:ea typeface="HG丸ｺﾞｼｯｸM-PRO" panose="020F0600000000000000" pitchFamily="50" charset="-128"/>
                             <a:cs typeface="Courier New" pitchFamily="49" charset="0"/>
@@ -2765,7 +2765,7 @@
                       </m:oMath>
                     </m:oMathPara>
                   </a14:m>
-                  <a:endParaRPr lang="en-US" altLang="ja-JP" sz="1200">
+                  <a:endParaRPr lang="en-US" altLang="ja-JP" sz="1050">
                     <a:latin typeface="HG丸ｺﾞｼｯｸM-PRO" panose="020F0600000000000000" pitchFamily="50" charset="-128"/>
                     <a:ea typeface="HG丸ｺﾞｼｯｸM-PRO" panose="020F0600000000000000" pitchFamily="50" charset="-128"/>
                     <a:cs typeface="Courier New" pitchFamily="49" charset="0"/>
@@ -2774,7 +2774,7 @@
               </p:txBody>
             </p:sp>
           </mc:Choice>
-          <mc:Fallback>
+          <mc:Fallback xmlns="">
             <p:sp>
               <p:nvSpPr>
                 <p:cNvPr id="31" name="テキスト ボックス 30"/>
@@ -2828,8 +2828,8 @@
           </p:nvCxnSpPr>
           <p:spPr>
             <a:xfrm flipH="1" flipV="1">
-              <a:off x="2741694" y="1421113"/>
-              <a:ext cx="972527" cy="1014261"/>
+              <a:off x="2741694" y="1398030"/>
+              <a:ext cx="972527" cy="1037344"/>
             </a:xfrm>
             <a:prstGeom prst="straightConnector1">
               <a:avLst/>
@@ -2904,8 +2904,8 @@
           </p:nvCxnSpPr>
           <p:spPr>
             <a:xfrm flipV="1">
-              <a:off x="2877204" y="1340783"/>
-              <a:ext cx="360133" cy="1059016"/>
+              <a:off x="2877204" y="1317700"/>
+              <a:ext cx="360133" cy="1082099"/>
             </a:xfrm>
             <a:prstGeom prst="straightConnector1">
               <a:avLst/>
@@ -2943,8 +2943,8 @@
           </p:nvCxnSpPr>
           <p:spPr>
             <a:xfrm flipV="1">
-              <a:off x="2306685" y="1340783"/>
-              <a:ext cx="930652" cy="1037679"/>
+              <a:off x="2306685" y="1317700"/>
+              <a:ext cx="930652" cy="1060763"/>
             </a:xfrm>
             <a:prstGeom prst="straightConnector1">
               <a:avLst/>
@@ -3046,8 +3046,8 @@
             </a:fontRef>
           </p:style>
         </p:cxnSp>
-        <mc:AlternateContent xmlns:mc="http://schemas.openxmlformats.org/markup-compatibility/2006">
-          <mc:Choice xmlns:a14="http://schemas.microsoft.com/office/drawing/2010/main" Requires="a14">
+        <mc:AlternateContent xmlns:mc="http://schemas.openxmlformats.org/markup-compatibility/2006" xmlns:a14="http://schemas.microsoft.com/office/drawing/2010/main">
+          <mc:Choice Requires="a14">
             <p:sp>
               <p:nvSpPr>
                 <p:cNvPr id="57" name="テキスト ボックス 56"/>
@@ -3057,7 +3057,7 @@
               <p:spPr>
                 <a:xfrm>
                   <a:off x="3736911" y="1596730"/>
-                  <a:ext cx="277281" cy="276999"/>
+                  <a:ext cx="277281" cy="253916"/>
                 </a:xfrm>
                 <a:prstGeom prst="rect">
                   <a:avLst/>
@@ -3084,7 +3084,7 @@
                         <m:sSub>
                           <m:sSubPr>
                             <m:ctrlPr>
-                              <a:rPr lang="en-US" altLang="ja-JP" sz="1200" b="0" i="1" smtClean="0">
+                              <a:rPr lang="en-US" altLang="ja-JP" sz="1050" b="0" i="1" smtClean="0">
                                 <a:latin typeface="Cambria Math"/>
                                 <a:ea typeface="Cambria Math"/>
                                 <a:cs typeface="Courier New" pitchFamily="49" charset="0"/>
@@ -3093,7 +3093,7 @@
                           </m:sSubPr>
                           <m:e>
                             <m:r>
-                              <a:rPr lang="en-US" altLang="ja-JP" sz="1200" b="0" i="1" smtClean="0">
+                              <a:rPr lang="en-US" altLang="ja-JP" sz="1050" b="0" i="1" smtClean="0">
                                 <a:latin typeface="Cambria Math"/>
                                 <a:ea typeface="Cambria Math"/>
                                 <a:cs typeface="Courier New" pitchFamily="49" charset="0"/>
@@ -3103,7 +3103,7 @@
                           </m:e>
                           <m:sub>
                             <m:r>
-                              <a:rPr lang="en-US" altLang="ja-JP" sz="1200" b="0" i="1" smtClean="0">
+                              <a:rPr lang="en-US" altLang="ja-JP" sz="1050" b="0" i="1" smtClean="0">
                                 <a:latin typeface="Cambria Math"/>
                                 <a:ea typeface="Cambria Math"/>
                                 <a:cs typeface="Courier New" pitchFamily="49" charset="0"/>
@@ -3115,7 +3115,7 @@
                       </m:oMath>
                     </m:oMathPara>
                   </a14:m>
-                  <a:endParaRPr lang="en-US" altLang="ja-JP" sz="1200">
+                  <a:endParaRPr lang="en-US" altLang="ja-JP" sz="1050">
                     <a:latin typeface="HG丸ｺﾞｼｯｸM-PRO" panose="020F0600000000000000" pitchFamily="50" charset="-128"/>
                     <a:ea typeface="HG丸ｺﾞｼｯｸM-PRO" panose="020F0600000000000000" pitchFamily="50" charset="-128"/>
                     <a:cs typeface="Courier New" pitchFamily="49" charset="0"/>
@@ -3124,7 +3124,7 @@
               </p:txBody>
             </p:sp>
           </mc:Choice>
-          <mc:Fallback>
+          <mc:Fallback xmlns="">
             <p:sp>
               <p:nvSpPr>
                 <p:cNvPr id="57" name="テキスト ボックス 56"/>
@@ -3167,8 +3167,8 @@
             </p:sp>
           </mc:Fallback>
         </mc:AlternateContent>
-        <mc:AlternateContent xmlns:mc="http://schemas.openxmlformats.org/markup-compatibility/2006">
-          <mc:Choice xmlns:a14="http://schemas.microsoft.com/office/drawing/2010/main" Requires="a14">
+        <mc:AlternateContent xmlns:mc="http://schemas.openxmlformats.org/markup-compatibility/2006" xmlns:a14="http://schemas.microsoft.com/office/drawing/2010/main">
+          <mc:Choice Requires="a14">
             <p:sp>
               <p:nvSpPr>
                 <p:cNvPr id="58" name="テキスト ボックス 57"/>
@@ -3178,7 +3178,7 @@
               <p:spPr>
                 <a:xfrm>
                   <a:off x="3835042" y="2243400"/>
-                  <a:ext cx="277281" cy="276999"/>
+                  <a:ext cx="277281" cy="253916"/>
                 </a:xfrm>
                 <a:prstGeom prst="rect">
                   <a:avLst/>
@@ -3205,7 +3205,7 @@
                         <m:sSub>
                           <m:sSubPr>
                             <m:ctrlPr>
-                              <a:rPr lang="en-US" altLang="ja-JP" sz="1200" b="0" i="1" smtClean="0">
+                              <a:rPr lang="en-US" altLang="ja-JP" sz="1050" b="0" i="1" smtClean="0">
                                 <a:latin typeface="Cambria Math"/>
                                 <a:ea typeface="HG丸ｺﾞｼｯｸM-PRO" panose="020F0600000000000000" pitchFamily="50" charset="-128"/>
                                 <a:cs typeface="Courier New" pitchFamily="49" charset="0"/>
@@ -3214,7 +3214,7 @@
                           </m:sSubPr>
                           <m:e>
                             <m:r>
-                              <a:rPr lang="en-US" altLang="ja-JP" sz="1200" b="0" i="1" smtClean="0">
+                              <a:rPr lang="en-US" altLang="ja-JP" sz="1050" b="0" i="1" smtClean="0">
                                 <a:latin typeface="Cambria Math"/>
                                 <a:ea typeface="HG丸ｺﾞｼｯｸM-PRO" panose="020F0600000000000000" pitchFamily="50" charset="-128"/>
                                 <a:cs typeface="Courier New" pitchFamily="49" charset="0"/>
@@ -3224,7 +3224,7 @@
                           </m:e>
                           <m:sub>
                             <m:r>
-                              <a:rPr lang="en-US" altLang="ja-JP" sz="1200" b="0" i="1" smtClean="0">
+                              <a:rPr lang="en-US" altLang="ja-JP" sz="1050" b="0" i="1" smtClean="0">
                                 <a:latin typeface="Cambria Math"/>
                                 <a:ea typeface="HG丸ｺﾞｼｯｸM-PRO" panose="020F0600000000000000" pitchFamily="50" charset="-128"/>
                                 <a:cs typeface="Courier New" pitchFamily="49" charset="0"/>
@@ -3236,7 +3236,7 @@
                       </m:oMath>
                     </m:oMathPara>
                   </a14:m>
-                  <a:endParaRPr lang="en-US" altLang="ja-JP" sz="1200">
+                  <a:endParaRPr lang="en-US" altLang="ja-JP" sz="1050">
                     <a:latin typeface="HG丸ｺﾞｼｯｸM-PRO" panose="020F0600000000000000" pitchFamily="50" charset="-128"/>
                     <a:ea typeface="HG丸ｺﾞｼｯｸM-PRO" panose="020F0600000000000000" pitchFamily="50" charset="-128"/>
                     <a:cs typeface="Courier New" pitchFamily="49" charset="0"/>
@@ -3245,7 +3245,7 @@
               </p:txBody>
             </p:sp>
           </mc:Choice>
-          <mc:Fallback>
+          <mc:Fallback xmlns="">
             <p:sp>
               <p:nvSpPr>
                 <p:cNvPr id="58" name="テキスト ボックス 57"/>
@@ -3288,8 +3288,8 @@
             </p:sp>
           </mc:Fallback>
         </mc:AlternateContent>
-        <mc:AlternateContent xmlns:mc="http://schemas.openxmlformats.org/markup-compatibility/2006">
-          <mc:Choice xmlns:a14="http://schemas.microsoft.com/office/drawing/2010/main" Requires="a14">
+        <mc:AlternateContent xmlns:mc="http://schemas.openxmlformats.org/markup-compatibility/2006" xmlns:a14="http://schemas.microsoft.com/office/drawing/2010/main">
+          <mc:Choice Requires="a14">
             <p:sp>
               <p:nvSpPr>
                 <p:cNvPr id="63" name="テキスト ボックス 62"/>
@@ -3299,7 +3299,7 @@
               <p:spPr>
                 <a:xfrm>
                   <a:off x="3294112" y="1931318"/>
-                  <a:ext cx="936105" cy="276999"/>
+                  <a:ext cx="936105" cy="253916"/>
                 </a:xfrm>
                 <a:prstGeom prst="rect">
                   <a:avLst/>
@@ -3324,7 +3324,7 @@
                       </m:oMathParaPr>
                       <m:oMath xmlns:m="http://schemas.openxmlformats.org/officeDocument/2006/math">
                         <m:r>
-                          <a:rPr lang="en-US" altLang="ja-JP" sz="1200" b="0" i="1" smtClean="0">
+                          <a:rPr lang="en-US" altLang="ja-JP" sz="1050" b="0" i="1" smtClean="0">
                             <a:latin typeface="Cambria Math"/>
                             <a:ea typeface="HG丸ｺﾞｼｯｸM-PRO" panose="020F0600000000000000" pitchFamily="50" charset="-128"/>
                             <a:cs typeface="Courier New" pitchFamily="49" charset="0"/>
@@ -3332,7 +3332,7 @@
                           <m:t>−(</m:t>
                         </m:r>
                         <m:r>
-                          <a:rPr lang="en-US" altLang="ja-JP" sz="1200" b="0" i="1" smtClean="0">
+                          <a:rPr lang="en-US" altLang="ja-JP" sz="1050" b="0" i="1" smtClean="0">
                             <a:latin typeface="Cambria Math"/>
                             <a:ea typeface="HG丸ｺﾞｼｯｸM-PRO" panose="020F0600000000000000" pitchFamily="50" charset="-128"/>
                             <a:cs typeface="Courier New" pitchFamily="49" charset="0"/>
@@ -3340,7 +3340,7 @@
                           <m:t>𝑃</m:t>
                         </m:r>
                         <m:r>
-                          <a:rPr lang="en-US" altLang="ja-JP" sz="1200" b="0" i="1" smtClean="0">
+                          <a:rPr lang="en-US" altLang="ja-JP" sz="1050" b="0" i="1" smtClean="0">
                             <a:latin typeface="Cambria Math"/>
                             <a:ea typeface="HG丸ｺﾞｼｯｸM-PRO" panose="020F0600000000000000" pitchFamily="50" charset="-128"/>
                             <a:cs typeface="Courier New" pitchFamily="49" charset="0"/>
@@ -3348,7 +3348,7 @@
                           <m:t>+</m:t>
                         </m:r>
                         <m:r>
-                          <a:rPr lang="en-US" altLang="ja-JP" sz="1200" b="0" i="1" smtClean="0">
+                          <a:rPr lang="en-US" altLang="ja-JP" sz="1050" b="0" i="1" smtClean="0">
                             <a:latin typeface="Cambria Math"/>
                             <a:ea typeface="HG丸ｺﾞｼｯｸM-PRO" panose="020F0600000000000000" pitchFamily="50" charset="-128"/>
                             <a:cs typeface="Courier New" pitchFamily="49" charset="0"/>
@@ -3356,7 +3356,7 @@
                           <m:t>𝑄</m:t>
                         </m:r>
                         <m:r>
-                          <a:rPr lang="en-US" altLang="ja-JP" sz="1200" b="0" i="1" smtClean="0">
+                          <a:rPr lang="en-US" altLang="ja-JP" sz="1050" b="0" i="1" smtClean="0">
                             <a:latin typeface="Cambria Math"/>
                             <a:ea typeface="HG丸ｺﾞｼｯｸM-PRO" panose="020F0600000000000000" pitchFamily="50" charset="-128"/>
                             <a:cs typeface="Courier New" pitchFamily="49" charset="0"/>
@@ -3366,7 +3366,7 @@
                       </m:oMath>
                     </m:oMathPara>
                   </a14:m>
-                  <a:endParaRPr lang="en-US" altLang="ja-JP" sz="1200">
+                  <a:endParaRPr lang="en-US" altLang="ja-JP" sz="1050">
                     <a:latin typeface="HG丸ｺﾞｼｯｸM-PRO" panose="020F0600000000000000" pitchFamily="50" charset="-128"/>
                     <a:ea typeface="HG丸ｺﾞｼｯｸM-PRO" panose="020F0600000000000000" pitchFamily="50" charset="-128"/>
                     <a:cs typeface="Courier New" pitchFamily="49" charset="0"/>
@@ -3375,7 +3375,7 @@
               </p:txBody>
             </p:sp>
           </mc:Choice>
-          <mc:Fallback>
+          <mc:Fallback xmlns="">
             <p:sp>
               <p:nvSpPr>
                 <p:cNvPr id="63" name="テキスト ボックス 62"/>
@@ -3465,8 +3465,8 @@
           </p:nvCxnSpPr>
           <p:spPr>
             <a:xfrm flipV="1">
-              <a:off x="1729028" y="1859622"/>
-              <a:ext cx="797061" cy="714251"/>
+              <a:off x="1729028" y="1859623"/>
+              <a:ext cx="797061" cy="714250"/>
             </a:xfrm>
             <a:prstGeom prst="straightConnector1">
               <a:avLst/>
@@ -3494,8 +3494,8 @@
             </a:fontRef>
           </p:style>
         </p:cxnSp>
-        <mc:AlternateContent xmlns:mc="http://schemas.openxmlformats.org/markup-compatibility/2006">
-          <mc:Choice xmlns:a14="http://schemas.microsoft.com/office/drawing/2010/main" Requires="a14">
+        <mc:AlternateContent xmlns:mc="http://schemas.openxmlformats.org/markup-compatibility/2006" xmlns:a14="http://schemas.microsoft.com/office/drawing/2010/main">
+          <mc:Choice Requires="a14">
             <p:sp>
               <p:nvSpPr>
                 <p:cNvPr id="71" name="テキスト ボックス 70"/>
@@ -3505,7 +3505,7 @@
               <p:spPr>
                 <a:xfrm>
                   <a:off x="1028038" y="2573873"/>
-                  <a:ext cx="1401979" cy="485454"/>
+                  <a:ext cx="1401979" cy="436338"/>
                 </a:xfrm>
                 <a:prstGeom prst="rect">
                   <a:avLst/>
@@ -3530,7 +3530,7 @@
                       </m:oMathParaPr>
                       <m:oMath xmlns:m="http://schemas.openxmlformats.org/officeDocument/2006/math">
                         <m:r>
-                          <a:rPr lang="en-US" altLang="ja-JP" sz="1200" b="0" i="1" smtClean="0">
+                          <a:rPr lang="en-US" altLang="ja-JP" sz="1050" b="0" i="1" smtClean="0">
                             <a:latin typeface="Cambria Math"/>
                             <a:ea typeface="HG丸ｺﾞｼｯｸM-PRO" panose="020F0600000000000000" pitchFamily="50" charset="-128"/>
                             <a:cs typeface="Courier New" pitchFamily="49" charset="0"/>
@@ -3540,7 +3540,7 @@
                         <m:d>
                           <m:dPr>
                             <m:ctrlPr>
-                              <a:rPr lang="en-US" altLang="ja-JP" sz="1200" b="0" i="1" smtClean="0">
+                              <a:rPr lang="en-US" altLang="ja-JP" sz="1050" b="0" i="1" smtClean="0">
                                 <a:latin typeface="Cambria Math"/>
                                 <a:ea typeface="HG丸ｺﾞｼｯｸM-PRO" panose="020F0600000000000000" pitchFamily="50" charset="-128"/>
                                 <a:cs typeface="Courier New" pitchFamily="49" charset="0"/>
@@ -3551,7 +3551,7 @@
                             <m:d>
                               <m:dPr>
                                 <m:ctrlPr>
-                                  <a:rPr lang="en-US" altLang="ja-JP" sz="1200" b="0" i="1" smtClean="0">
+                                  <a:rPr lang="en-US" altLang="ja-JP" sz="1050" b="0" i="1" smtClean="0">
                                     <a:latin typeface="Cambria Math"/>
                                     <a:ea typeface="HG丸ｺﾞｼｯｸM-PRO" panose="020F0600000000000000" pitchFamily="50" charset="-128"/>
                                     <a:cs typeface="Courier New" pitchFamily="49" charset="0"/>
@@ -3560,7 +3560,7 @@
                               </m:dPr>
                               <m:e>
                                 <m:r>
-                                  <a:rPr lang="en-US" altLang="ja-JP" sz="1200" b="0" i="1" smtClean="0">
+                                  <a:rPr lang="en-US" altLang="ja-JP" sz="1050" b="0" i="1" smtClean="0">
                                     <a:latin typeface="Cambria Math"/>
                                     <a:ea typeface="HG丸ｺﾞｼｯｸM-PRO" panose="020F0600000000000000" pitchFamily="50" charset="-128"/>
                                     <a:cs typeface="Courier New" pitchFamily="49" charset="0"/>
@@ -3568,7 +3568,7 @@
                                   <m:t>𝑃</m:t>
                                 </m:r>
                                 <m:r>
-                                  <a:rPr lang="en-US" altLang="ja-JP" sz="1200" b="0" i="1" smtClean="0">
+                                  <a:rPr lang="en-US" altLang="ja-JP" sz="1050" b="0" i="1" smtClean="0">
                                     <a:latin typeface="Cambria Math"/>
                                     <a:ea typeface="HG丸ｺﾞｼｯｸM-PRO" panose="020F0600000000000000" pitchFamily="50" charset="-128"/>
                                     <a:cs typeface="Courier New" pitchFamily="49" charset="0"/>
@@ -3576,7 +3576,7 @@
                                   <m:t>+</m:t>
                                 </m:r>
                                 <m:r>
-                                  <a:rPr lang="en-US" altLang="ja-JP" sz="1200" b="0" i="1" smtClean="0">
+                                  <a:rPr lang="en-US" altLang="ja-JP" sz="1050" b="0" i="1" smtClean="0">
                                     <a:latin typeface="Cambria Math"/>
                                     <a:ea typeface="HG丸ｺﾞｼｯｸM-PRO" panose="020F0600000000000000" pitchFamily="50" charset="-128"/>
                                     <a:cs typeface="Courier New" pitchFamily="49" charset="0"/>
@@ -3586,7 +3586,7 @@
                               </m:e>
                             </m:d>
                             <m:r>
-                              <a:rPr lang="en-US" altLang="ja-JP" sz="1200" b="0" i="1" smtClean="0">
+                              <a:rPr lang="en-US" altLang="ja-JP" sz="1050" b="0" i="1" smtClean="0">
                                 <a:latin typeface="Cambria Math"/>
                                 <a:ea typeface="HG丸ｺﾞｼｯｸM-PRO" panose="020F0600000000000000" pitchFamily="50" charset="-128"/>
                                 <a:cs typeface="Courier New" pitchFamily="49" charset="0"/>
@@ -3594,7 +3594,7 @@
                               <m:t>+</m:t>
                             </m:r>
                             <m:r>
-                              <a:rPr lang="en-US" altLang="ja-JP" sz="1200" b="0" i="1" smtClean="0">
+                              <a:rPr lang="en-US" altLang="ja-JP" sz="1050" b="0" i="1" smtClean="0">
                                 <a:latin typeface="Cambria Math"/>
                                 <a:ea typeface="HG丸ｺﾞｼｯｸM-PRO" panose="020F0600000000000000" pitchFamily="50" charset="-128"/>
                                 <a:cs typeface="Courier New" pitchFamily="49" charset="0"/>
@@ -3606,23 +3606,15 @@
                       </m:oMath>
                       <m:oMath xmlns:m="http://schemas.openxmlformats.org/officeDocument/2006/math">
                         <m:r>
-                          <a:rPr lang="en-US" altLang="ja-JP" sz="1200" b="0" i="1" smtClean="0">
+                          <a:rPr lang="en-US" altLang="ja-JP" sz="1050" b="0" i="1" smtClean="0">
                             <a:latin typeface="Cambria Math"/>
                             <a:ea typeface="HG丸ｺﾞｼｯｸM-PRO" panose="020F0600000000000000" pitchFamily="50" charset="-128"/>
                             <a:cs typeface="Courier New" pitchFamily="49" charset="0"/>
                           </a:rPr>
-                          <m:t>=</m:t>
+                          <m:t>=−(</m:t>
                         </m:r>
                         <m:r>
-                          <a:rPr lang="en-US" altLang="ja-JP" sz="1200" b="0" i="1" smtClean="0">
-                            <a:latin typeface="Cambria Math"/>
-                            <a:ea typeface="HG丸ｺﾞｼｯｸM-PRO" panose="020F0600000000000000" pitchFamily="50" charset="-128"/>
-                            <a:cs typeface="Courier New" pitchFamily="49" charset="0"/>
-                          </a:rPr>
-                          <m:t>−(</m:t>
-                        </m:r>
-                        <m:r>
-                          <a:rPr lang="en-US" altLang="ja-JP" sz="1200" b="0" i="1" smtClean="0">
+                          <a:rPr lang="en-US" altLang="ja-JP" sz="1050" b="0" i="1" smtClean="0">
                             <a:latin typeface="Cambria Math"/>
                             <a:ea typeface="HG丸ｺﾞｼｯｸM-PRO" panose="020F0600000000000000" pitchFamily="50" charset="-128"/>
                             <a:cs typeface="Courier New" pitchFamily="49" charset="0"/>
@@ -3630,7 +3622,7 @@
                           <m:t>𝑃</m:t>
                         </m:r>
                         <m:r>
-                          <a:rPr lang="en-US" altLang="ja-JP" sz="1200" b="0" i="1" smtClean="0">
+                          <a:rPr lang="en-US" altLang="ja-JP" sz="1050" b="0" i="1" smtClean="0">
                             <a:latin typeface="Cambria Math"/>
                             <a:ea typeface="HG丸ｺﾞｼｯｸM-PRO" panose="020F0600000000000000" pitchFamily="50" charset="-128"/>
                             <a:cs typeface="Courier New" pitchFamily="49" charset="0"/>
@@ -3640,7 +3632,7 @@
                         <m:d>
                           <m:dPr>
                             <m:ctrlPr>
-                              <a:rPr lang="en-US" altLang="ja-JP" sz="1200" b="0" i="1" smtClean="0">
+                              <a:rPr lang="en-US" altLang="ja-JP" sz="1050" b="0" i="1" smtClean="0">
                                 <a:latin typeface="Cambria Math"/>
                                 <a:ea typeface="HG丸ｺﾞｼｯｸM-PRO" panose="020F0600000000000000" pitchFamily="50" charset="-128"/>
                                 <a:cs typeface="Courier New" pitchFamily="49" charset="0"/>
@@ -3649,7 +3641,7 @@
                           </m:dPr>
                           <m:e>
                             <m:r>
-                              <a:rPr lang="en-US" altLang="ja-JP" sz="1200" b="0" i="1" smtClean="0">
+                              <a:rPr lang="en-US" altLang="ja-JP" sz="1050" b="0" i="1" smtClean="0">
                                 <a:latin typeface="Cambria Math"/>
                                 <a:ea typeface="HG丸ｺﾞｼｯｸM-PRO" panose="020F0600000000000000" pitchFamily="50" charset="-128"/>
                                 <a:cs typeface="Courier New" pitchFamily="49" charset="0"/>
@@ -3657,7 +3649,7 @@
                               <m:t>𝑄</m:t>
                             </m:r>
                             <m:r>
-                              <a:rPr lang="en-US" altLang="ja-JP" sz="1200" b="0" i="1" smtClean="0">
+                              <a:rPr lang="en-US" altLang="ja-JP" sz="1050" b="0" i="1" smtClean="0">
                                 <a:latin typeface="Cambria Math"/>
                                 <a:ea typeface="HG丸ｺﾞｼｯｸM-PRO" panose="020F0600000000000000" pitchFamily="50" charset="-128"/>
                                 <a:cs typeface="Courier New" pitchFamily="49" charset="0"/>
@@ -3665,7 +3657,7 @@
                               <m:t>+</m:t>
                             </m:r>
                             <m:r>
-                              <a:rPr lang="en-US" altLang="ja-JP" sz="1200" b="0" i="1" smtClean="0">
+                              <a:rPr lang="en-US" altLang="ja-JP" sz="1050" b="0" i="1" smtClean="0">
                                 <a:latin typeface="Cambria Math"/>
                                 <a:ea typeface="HG丸ｺﾞｼｯｸM-PRO" panose="020F0600000000000000" pitchFamily="50" charset="-128"/>
                                 <a:cs typeface="Courier New" pitchFamily="49" charset="0"/>
@@ -3675,7 +3667,7 @@
                           </m:e>
                         </m:d>
                         <m:r>
-                          <a:rPr lang="en-US" altLang="ja-JP" sz="1200" b="0" i="1" smtClean="0">
+                          <a:rPr lang="en-US" altLang="ja-JP" sz="1050" b="0" i="1" smtClean="0">
                             <a:latin typeface="Cambria Math"/>
                             <a:ea typeface="HG丸ｺﾞｼｯｸM-PRO" panose="020F0600000000000000" pitchFamily="50" charset="-128"/>
                             <a:cs typeface="Courier New" pitchFamily="49" charset="0"/>
@@ -3685,7 +3677,7 @@
                       </m:oMath>
                     </m:oMathPara>
                   </a14:m>
-                  <a:endParaRPr lang="en-US" altLang="ja-JP" sz="1200">
+                  <a:endParaRPr lang="en-US" altLang="ja-JP" sz="1050">
                     <a:latin typeface="HG丸ｺﾞｼｯｸM-PRO" panose="020F0600000000000000" pitchFamily="50" charset="-128"/>
                     <a:ea typeface="HG丸ｺﾞｼｯｸM-PRO" panose="020F0600000000000000" pitchFamily="50" charset="-128"/>
                     <a:cs typeface="Courier New" pitchFamily="49" charset="0"/>
@@ -3694,7 +3686,7 @@
               </p:txBody>
             </p:sp>
           </mc:Choice>
-          <mc:Fallback>
+          <mc:Fallback xmlns="">
             <p:sp>
               <p:nvSpPr>
                 <p:cNvPr id="71" name="テキスト ボックス 70"/>
@@ -3774,8 +3766,8 @@
             </a:fontRef>
           </p:style>
         </p:cxnSp>
-        <mc:AlternateContent xmlns:mc="http://schemas.openxmlformats.org/markup-compatibility/2006">
-          <mc:Choice xmlns:a14="http://schemas.microsoft.com/office/drawing/2010/main" Requires="a14">
+        <mc:AlternateContent xmlns:mc="http://schemas.openxmlformats.org/markup-compatibility/2006" xmlns:a14="http://schemas.microsoft.com/office/drawing/2010/main">
+          <mc:Choice Requires="a14">
             <p:sp>
               <p:nvSpPr>
                 <p:cNvPr id="79" name="テキスト ボックス 78"/>
@@ -3785,7 +3777,7 @@
               <p:spPr>
                 <a:xfrm>
                   <a:off x="3029725" y="2728922"/>
-                  <a:ext cx="1008113" cy="276999"/>
+                  <a:ext cx="1008113" cy="253916"/>
                 </a:xfrm>
                 <a:prstGeom prst="rect">
                   <a:avLst/>
@@ -3810,7 +3802,7 @@
                       </m:oMathParaPr>
                       <m:oMath xmlns:m="http://schemas.openxmlformats.org/officeDocument/2006/math">
                         <m:r>
-                          <a:rPr lang="en-US" altLang="ja-JP" sz="1200" b="0" i="1" smtClean="0">
+                          <a:rPr lang="en-US" altLang="ja-JP" sz="1050" b="0" i="1" smtClean="0">
                             <a:latin typeface="Cambria Math"/>
                             <a:ea typeface="HG丸ｺﾞｼｯｸM-PRO" panose="020F0600000000000000" pitchFamily="50" charset="-128"/>
                             <a:cs typeface="Courier New" pitchFamily="49" charset="0"/>
@@ -3818,7 +3810,7 @@
                           <m:t>−(</m:t>
                         </m:r>
                         <m:r>
-                          <a:rPr lang="en-US" altLang="ja-JP" sz="1200" b="0" i="1" smtClean="0">
+                          <a:rPr lang="en-US" altLang="ja-JP" sz="1050" b="0" i="1" smtClean="0">
                             <a:latin typeface="Cambria Math"/>
                             <a:ea typeface="HG丸ｺﾞｼｯｸM-PRO" panose="020F0600000000000000" pitchFamily="50" charset="-128"/>
                             <a:cs typeface="Courier New" pitchFamily="49" charset="0"/>
@@ -3826,7 +3818,7 @@
                           <m:t>𝑄</m:t>
                         </m:r>
                         <m:r>
-                          <a:rPr lang="en-US" altLang="ja-JP" sz="1200" b="0" i="1" smtClean="0">
+                          <a:rPr lang="en-US" altLang="ja-JP" sz="1050" b="0" i="1" smtClean="0">
                             <a:latin typeface="Cambria Math"/>
                             <a:ea typeface="HG丸ｺﾞｼｯｸM-PRO" panose="020F0600000000000000" pitchFamily="50" charset="-128"/>
                             <a:cs typeface="Courier New" pitchFamily="49" charset="0"/>
@@ -3834,7 +3826,7 @@
                           <m:t>+</m:t>
                         </m:r>
                         <m:r>
-                          <a:rPr lang="en-US" altLang="ja-JP" sz="1200" b="0" i="1" smtClean="0">
+                          <a:rPr lang="en-US" altLang="ja-JP" sz="1050" b="0" i="1" smtClean="0">
                             <a:latin typeface="Cambria Math"/>
                             <a:ea typeface="HG丸ｺﾞｼｯｸM-PRO" panose="020F0600000000000000" pitchFamily="50" charset="-128"/>
                             <a:cs typeface="Courier New" pitchFamily="49" charset="0"/>
@@ -3842,7 +3834,7 @@
                           <m:t>𝑅</m:t>
                         </m:r>
                         <m:r>
-                          <a:rPr lang="en-US" altLang="ja-JP" sz="1200" b="0" i="1" smtClean="0">
+                          <a:rPr lang="en-US" altLang="ja-JP" sz="1050" b="0" i="1" smtClean="0">
                             <a:latin typeface="Cambria Math"/>
                             <a:ea typeface="HG丸ｺﾞｼｯｸM-PRO" panose="020F0600000000000000" pitchFamily="50" charset="-128"/>
                             <a:cs typeface="Courier New" pitchFamily="49" charset="0"/>
@@ -3852,7 +3844,7 @@
                       </m:oMath>
                     </m:oMathPara>
                   </a14:m>
-                  <a:endParaRPr lang="en-US" altLang="ja-JP" sz="1200">
+                  <a:endParaRPr lang="en-US" altLang="ja-JP" sz="1050">
                     <a:latin typeface="HG丸ｺﾞｼｯｸM-PRO" panose="020F0600000000000000" pitchFamily="50" charset="-128"/>
                     <a:ea typeface="HG丸ｺﾞｼｯｸM-PRO" panose="020F0600000000000000" pitchFamily="50" charset="-128"/>
                     <a:cs typeface="Courier New" pitchFamily="49" charset="0"/>
@@ -3861,7 +3853,7 @@
               </p:txBody>
             </p:sp>
           </mc:Choice>
-          <mc:Fallback>
+          <mc:Fallback xmlns="">
             <p:sp>
               <p:nvSpPr>
                 <p:cNvPr id="79" name="テキスト ボックス 78"/>
@@ -3914,9 +3906,9 @@
         <p:grpSpPr>
           <a:xfrm>
             <a:off x="138337" y="1558375"/>
-            <a:ext cx="1571599" cy="1309047"/>
+            <a:ext cx="1571599" cy="1285964"/>
             <a:chOff x="329562" y="588684"/>
-            <a:chExt cx="1571599" cy="1309047"/>
+            <a:chExt cx="1571599" cy="1285964"/>
           </a:xfrm>
         </p:grpSpPr>
         <p:grpSp>
@@ -4267,8 +4259,8 @@
             </p:style>
           </p:cxnSp>
         </p:grpSp>
-        <mc:AlternateContent xmlns:mc="http://schemas.openxmlformats.org/markup-compatibility/2006">
-          <mc:Choice xmlns:a14="http://schemas.microsoft.com/office/drawing/2010/main" Requires="a14">
+        <mc:AlternateContent xmlns:mc="http://schemas.openxmlformats.org/markup-compatibility/2006" xmlns:a14="http://schemas.microsoft.com/office/drawing/2010/main">
+          <mc:Choice Requires="a14">
             <p:sp>
               <p:nvSpPr>
                 <p:cNvPr id="65" name="テキスト ボックス 64"/>
@@ -4278,7 +4270,7 @@
               <p:spPr>
                 <a:xfrm>
                   <a:off x="1602685" y="637599"/>
-                  <a:ext cx="277281" cy="276999"/>
+                  <a:ext cx="277281" cy="253916"/>
                 </a:xfrm>
                 <a:prstGeom prst="rect">
                   <a:avLst/>
@@ -4305,7 +4297,7 @@
                         <m:sSub>
                           <m:sSubPr>
                             <m:ctrlPr>
-                              <a:rPr lang="en-US" altLang="ja-JP" sz="1200" b="0" i="1" smtClean="0">
+                              <a:rPr lang="en-US" altLang="ja-JP" sz="1050" b="0" i="1" smtClean="0">
                                 <a:latin typeface="Cambria Math"/>
                                 <a:ea typeface="Cambria Math"/>
                                 <a:cs typeface="Courier New" pitchFamily="49" charset="0"/>
@@ -4314,7 +4306,7 @@
                           </m:sSubPr>
                           <m:e>
                             <m:r>
-                              <a:rPr lang="en-US" altLang="ja-JP" sz="1200" b="0" i="1" smtClean="0">
+                              <a:rPr lang="en-US" altLang="ja-JP" sz="1050" b="0" i="1" smtClean="0">
                                 <a:latin typeface="Cambria Math"/>
                                 <a:ea typeface="Cambria Math"/>
                                 <a:cs typeface="Courier New" pitchFamily="49" charset="0"/>
@@ -4324,7 +4316,7 @@
                           </m:e>
                           <m:sub>
                             <m:r>
-                              <a:rPr lang="en-US" altLang="ja-JP" sz="1200" b="0" i="1" smtClean="0">
+                              <a:rPr lang="en-US" altLang="ja-JP" sz="1050" b="0" i="1" smtClean="0">
                                 <a:latin typeface="Cambria Math"/>
                                 <a:ea typeface="Cambria Math"/>
                                 <a:cs typeface="Courier New" pitchFamily="49" charset="0"/>
@@ -4336,7 +4328,7 @@
                       </m:oMath>
                     </m:oMathPara>
                   </a14:m>
-                  <a:endParaRPr lang="en-US" altLang="ja-JP" sz="1200">
+                  <a:endParaRPr lang="en-US" altLang="ja-JP" sz="1050">
                     <a:latin typeface="HG丸ｺﾞｼｯｸM-PRO" panose="020F0600000000000000" pitchFamily="50" charset="-128"/>
                     <a:ea typeface="HG丸ｺﾞｼｯｸM-PRO" panose="020F0600000000000000" pitchFamily="50" charset="-128"/>
                     <a:cs typeface="Courier New" pitchFamily="49" charset="0"/>
@@ -4345,7 +4337,7 @@
               </p:txBody>
             </p:sp>
           </mc:Choice>
-          <mc:Fallback>
+          <mc:Fallback xmlns="">
             <p:sp>
               <p:nvSpPr>
                 <p:cNvPr id="65" name="テキスト ボックス 64"/>
@@ -4388,8 +4380,8 @@
             </p:sp>
           </mc:Fallback>
         </mc:AlternateContent>
-        <mc:AlternateContent xmlns:mc="http://schemas.openxmlformats.org/markup-compatibility/2006">
-          <mc:Choice xmlns:a14="http://schemas.microsoft.com/office/drawing/2010/main" Requires="a14">
+        <mc:AlternateContent xmlns:mc="http://schemas.openxmlformats.org/markup-compatibility/2006" xmlns:a14="http://schemas.microsoft.com/office/drawing/2010/main">
+          <mc:Choice Requires="a14">
             <p:sp>
               <p:nvSpPr>
                 <p:cNvPr id="66" name="テキスト ボックス 65"/>
@@ -4399,7 +4391,7 @@
               <p:spPr>
                 <a:xfrm>
                   <a:off x="1623880" y="995870"/>
-                  <a:ext cx="277281" cy="276999"/>
+                  <a:ext cx="277281" cy="253916"/>
                 </a:xfrm>
                 <a:prstGeom prst="rect">
                   <a:avLst/>
@@ -4426,7 +4418,7 @@
                         <m:sSub>
                           <m:sSubPr>
                             <m:ctrlPr>
-                              <a:rPr lang="en-US" altLang="ja-JP" sz="1200" b="0" i="1" smtClean="0">
+                              <a:rPr lang="en-US" altLang="ja-JP" sz="1050" b="0" i="1" smtClean="0">
                                 <a:latin typeface="Cambria Math"/>
                                 <a:ea typeface="Cambria Math"/>
                                 <a:cs typeface="Courier New" pitchFamily="49" charset="0"/>
@@ -4435,7 +4427,7 @@
                           </m:sSubPr>
                           <m:e>
                             <m:r>
-                              <a:rPr lang="en-US" altLang="ja-JP" sz="1200" b="0" i="1" smtClean="0">
+                              <a:rPr lang="en-US" altLang="ja-JP" sz="1050" b="0" i="1" smtClean="0">
                                 <a:latin typeface="Cambria Math"/>
                                 <a:ea typeface="Cambria Math"/>
                                 <a:cs typeface="Courier New" pitchFamily="49" charset="0"/>
@@ -4445,7 +4437,7 @@
                           </m:e>
                           <m:sub>
                             <m:r>
-                              <a:rPr lang="en-US" altLang="ja-JP" sz="1200" b="0" i="1" smtClean="0">
+                              <a:rPr lang="en-US" altLang="ja-JP" sz="1050" b="0" i="1" smtClean="0">
                                 <a:latin typeface="Cambria Math"/>
                                 <a:ea typeface="Cambria Math"/>
                                 <a:cs typeface="Courier New" pitchFamily="49" charset="0"/>
@@ -4457,7 +4449,7 @@
                       </m:oMath>
                     </m:oMathPara>
                   </a14:m>
-                  <a:endParaRPr lang="en-US" altLang="ja-JP" sz="1200">
+                  <a:endParaRPr lang="en-US" altLang="ja-JP" sz="1050">
                     <a:latin typeface="HG丸ｺﾞｼｯｸM-PRO" panose="020F0600000000000000" pitchFamily="50" charset="-128"/>
                     <a:ea typeface="HG丸ｺﾞｼｯｸM-PRO" panose="020F0600000000000000" pitchFamily="50" charset="-128"/>
                     <a:cs typeface="Courier New" pitchFamily="49" charset="0"/>
@@ -4466,7 +4458,7 @@
               </p:txBody>
             </p:sp>
           </mc:Choice>
-          <mc:Fallback>
+          <mc:Fallback xmlns="">
             <p:sp>
               <p:nvSpPr>
                 <p:cNvPr id="66" name="テキスト ボックス 65"/>
@@ -4509,8 +4501,8 @@
             </p:sp>
           </mc:Fallback>
         </mc:AlternateContent>
-        <mc:AlternateContent xmlns:mc="http://schemas.openxmlformats.org/markup-compatibility/2006">
-          <mc:Choice xmlns:a14="http://schemas.microsoft.com/office/drawing/2010/main" Requires="a14">
+        <mc:AlternateContent xmlns:mc="http://schemas.openxmlformats.org/markup-compatibility/2006" xmlns:a14="http://schemas.microsoft.com/office/drawing/2010/main">
+          <mc:Choice Requires="a14">
             <p:sp>
               <p:nvSpPr>
                 <p:cNvPr id="67" name="テキスト ボックス 66"/>
@@ -4520,7 +4512,7 @@
               <p:spPr>
                 <a:xfrm>
                   <a:off x="1623880" y="1510303"/>
-                  <a:ext cx="277281" cy="276999"/>
+                  <a:ext cx="277281" cy="253916"/>
                 </a:xfrm>
                 <a:prstGeom prst="rect">
                   <a:avLst/>
@@ -4547,7 +4539,7 @@
                         <m:sSub>
                           <m:sSubPr>
                             <m:ctrlPr>
-                              <a:rPr lang="en-US" altLang="ja-JP" sz="1200" b="0" i="1" smtClean="0">
+                              <a:rPr lang="en-US" altLang="ja-JP" sz="1050" b="0" i="1" smtClean="0">
                                 <a:latin typeface="Cambria Math"/>
                                 <a:ea typeface="HG丸ｺﾞｼｯｸM-PRO" panose="020F0600000000000000" pitchFamily="50" charset="-128"/>
                                 <a:cs typeface="Courier New" pitchFamily="49" charset="0"/>
@@ -4556,7 +4548,7 @@
                           </m:sSubPr>
                           <m:e>
                             <m:r>
-                              <a:rPr lang="en-US" altLang="ja-JP" sz="1200" b="0" i="1" smtClean="0">
+                              <a:rPr lang="en-US" altLang="ja-JP" sz="1050" b="0" i="1" smtClean="0">
                                 <a:latin typeface="Cambria Math"/>
                                 <a:ea typeface="HG丸ｺﾞｼｯｸM-PRO" panose="020F0600000000000000" pitchFamily="50" charset="-128"/>
                                 <a:cs typeface="Courier New" pitchFamily="49" charset="0"/>
@@ -4566,7 +4558,7 @@
                           </m:e>
                           <m:sub>
                             <m:r>
-                              <a:rPr lang="en-US" altLang="ja-JP" sz="1200" b="0" i="1" smtClean="0">
+                              <a:rPr lang="en-US" altLang="ja-JP" sz="1050" b="0" i="1" smtClean="0">
                                 <a:latin typeface="Cambria Math"/>
                                 <a:ea typeface="HG丸ｺﾞｼｯｸM-PRO" panose="020F0600000000000000" pitchFamily="50" charset="-128"/>
                                 <a:cs typeface="Courier New" pitchFamily="49" charset="0"/>
@@ -4578,7 +4570,7 @@
                       </m:oMath>
                     </m:oMathPara>
                   </a14:m>
-                  <a:endParaRPr lang="en-US" altLang="ja-JP" sz="1200">
+                  <a:endParaRPr lang="en-US" altLang="ja-JP" sz="1050">
                     <a:latin typeface="HG丸ｺﾞｼｯｸM-PRO" panose="020F0600000000000000" pitchFamily="50" charset="-128"/>
                     <a:ea typeface="HG丸ｺﾞｼｯｸM-PRO" panose="020F0600000000000000" pitchFamily="50" charset="-128"/>
                     <a:cs typeface="Courier New" pitchFamily="49" charset="0"/>
@@ -4587,7 +4579,7 @@
               </p:txBody>
             </p:sp>
           </mc:Choice>
-          <mc:Fallback>
+          <mc:Fallback xmlns="">
             <p:sp>
               <p:nvSpPr>
                 <p:cNvPr id="67" name="テキスト ボックス 66"/>
@@ -4630,8 +4622,8 @@
             </p:sp>
           </mc:Fallback>
         </mc:AlternateContent>
-        <mc:AlternateContent xmlns:mc="http://schemas.openxmlformats.org/markup-compatibility/2006">
-          <mc:Choice xmlns:a14="http://schemas.microsoft.com/office/drawing/2010/main" Requires="a14">
+        <mc:AlternateContent xmlns:mc="http://schemas.openxmlformats.org/markup-compatibility/2006" xmlns:a14="http://schemas.microsoft.com/office/drawing/2010/main">
+          <mc:Choice Requires="a14">
             <p:sp>
               <p:nvSpPr>
                 <p:cNvPr id="69" name="テキスト ボックス 68"/>
@@ -4641,7 +4633,7 @@
               <p:spPr>
                 <a:xfrm>
                   <a:off x="473616" y="680876"/>
-                  <a:ext cx="277281" cy="276999"/>
+                  <a:ext cx="277281" cy="253916"/>
                 </a:xfrm>
                 <a:prstGeom prst="rect">
                   <a:avLst/>
@@ -4666,7 +4658,7 @@
                       </m:oMathParaPr>
                       <m:oMath xmlns:m="http://schemas.openxmlformats.org/officeDocument/2006/math">
                         <m:r>
-                          <a:rPr lang="en-US" altLang="ja-JP" sz="1200" b="0" i="1" smtClean="0">
+                          <a:rPr lang="en-US" altLang="ja-JP" sz="1050" b="0" i="1" smtClean="0">
                             <a:latin typeface="Cambria Math"/>
                             <a:ea typeface="Cambria Math"/>
                             <a:cs typeface="Courier New" pitchFamily="49" charset="0"/>
@@ -4676,7 +4668,7 @@
                       </m:oMath>
                     </m:oMathPara>
                   </a14:m>
-                  <a:endParaRPr lang="en-US" altLang="ja-JP" sz="1200">
+                  <a:endParaRPr lang="en-US" altLang="ja-JP" sz="1050">
                     <a:latin typeface="HG丸ｺﾞｼｯｸM-PRO" panose="020F0600000000000000" pitchFamily="50" charset="-128"/>
                     <a:ea typeface="HG丸ｺﾞｼｯｸM-PRO" panose="020F0600000000000000" pitchFamily="50" charset="-128"/>
                     <a:cs typeface="Courier New" pitchFamily="49" charset="0"/>
@@ -4685,7 +4677,7 @@
               </p:txBody>
             </p:sp>
           </mc:Choice>
-          <mc:Fallback>
+          <mc:Fallback xmlns="">
             <p:sp>
               <p:nvSpPr>
                 <p:cNvPr id="69" name="テキスト ボックス 68"/>
@@ -4728,8 +4720,8 @@
             </p:sp>
           </mc:Fallback>
         </mc:AlternateContent>
-        <mc:AlternateContent xmlns:mc="http://schemas.openxmlformats.org/markup-compatibility/2006">
-          <mc:Choice xmlns:a14="http://schemas.microsoft.com/office/drawing/2010/main" Requires="a14">
+        <mc:AlternateContent xmlns:mc="http://schemas.openxmlformats.org/markup-compatibility/2006" xmlns:a14="http://schemas.microsoft.com/office/drawing/2010/main">
+          <mc:Choice Requires="a14">
             <p:sp>
               <p:nvSpPr>
                 <p:cNvPr id="70" name="テキスト ボックス 69"/>
@@ -4739,7 +4731,7 @@
               <p:spPr>
                 <a:xfrm>
                   <a:off x="816673" y="645749"/>
-                  <a:ext cx="277281" cy="276999"/>
+                  <a:ext cx="277281" cy="253916"/>
                 </a:xfrm>
                 <a:prstGeom prst="rect">
                   <a:avLst/>
@@ -4764,7 +4756,7 @@
                       </m:oMathParaPr>
                       <m:oMath xmlns:m="http://schemas.openxmlformats.org/officeDocument/2006/math">
                         <m:r>
-                          <a:rPr lang="en-US" altLang="ja-JP" sz="1200" b="0" i="1" smtClean="0">
+                          <a:rPr lang="en-US" altLang="ja-JP" sz="1050" b="0" i="1" smtClean="0">
                             <a:latin typeface="Cambria Math"/>
                             <a:ea typeface="Cambria Math"/>
                             <a:cs typeface="Courier New" pitchFamily="49" charset="0"/>
@@ -4774,7 +4766,7 @@
                       </m:oMath>
                     </m:oMathPara>
                   </a14:m>
-                  <a:endParaRPr lang="en-US" altLang="ja-JP" sz="1200">
+                  <a:endParaRPr lang="en-US" altLang="ja-JP" sz="1050">
                     <a:latin typeface="HG丸ｺﾞｼｯｸM-PRO" panose="020F0600000000000000" pitchFamily="50" charset="-128"/>
                     <a:ea typeface="HG丸ｺﾞｼｯｸM-PRO" panose="020F0600000000000000" pitchFamily="50" charset="-128"/>
                     <a:cs typeface="Courier New" pitchFamily="49" charset="0"/>
@@ -4783,7 +4775,7 @@
               </p:txBody>
             </p:sp>
           </mc:Choice>
-          <mc:Fallback>
+          <mc:Fallback xmlns="">
             <p:sp>
               <p:nvSpPr>
                 <p:cNvPr id="70" name="テキスト ボックス 69"/>
@@ -4826,8 +4818,8 @@
             </p:sp>
           </mc:Fallback>
         </mc:AlternateContent>
-        <mc:AlternateContent xmlns:mc="http://schemas.openxmlformats.org/markup-compatibility/2006">
-          <mc:Choice xmlns:a14="http://schemas.microsoft.com/office/drawing/2010/main" Requires="a14">
+        <mc:AlternateContent xmlns:mc="http://schemas.openxmlformats.org/markup-compatibility/2006" xmlns:a14="http://schemas.microsoft.com/office/drawing/2010/main">
+          <mc:Choice Requires="a14">
             <p:sp>
               <p:nvSpPr>
                 <p:cNvPr id="72" name="テキスト ボックス 71"/>
@@ -4837,7 +4829,7 @@
               <p:spPr>
                 <a:xfrm>
                   <a:off x="1205880" y="588684"/>
-                  <a:ext cx="277281" cy="276999"/>
+                  <a:ext cx="277281" cy="253916"/>
                 </a:xfrm>
                 <a:prstGeom prst="rect">
                   <a:avLst/>
@@ -4862,7 +4854,7 @@
                       </m:oMathParaPr>
                       <m:oMath xmlns:m="http://schemas.openxmlformats.org/officeDocument/2006/math">
                         <m:r>
-                          <a:rPr lang="en-US" altLang="ja-JP" sz="1200" b="0" i="1" smtClean="0">
+                          <a:rPr lang="en-US" altLang="ja-JP" sz="1050" b="0" i="1" smtClean="0">
                             <a:latin typeface="Cambria Math"/>
                             <a:ea typeface="Cambria Math"/>
                             <a:cs typeface="Courier New" pitchFamily="49" charset="0"/>
@@ -4872,7 +4864,7 @@
                       </m:oMath>
                     </m:oMathPara>
                   </a14:m>
-                  <a:endParaRPr lang="en-US" altLang="ja-JP" sz="1200">
+                  <a:endParaRPr lang="en-US" altLang="ja-JP" sz="1050">
                     <a:latin typeface="HG丸ｺﾞｼｯｸM-PRO" panose="020F0600000000000000" pitchFamily="50" charset="-128"/>
                     <a:ea typeface="HG丸ｺﾞｼｯｸM-PRO" panose="020F0600000000000000" pitchFamily="50" charset="-128"/>
                     <a:cs typeface="Courier New" pitchFamily="49" charset="0"/>
@@ -4881,7 +4873,7 @@
               </p:txBody>
             </p:sp>
           </mc:Choice>
-          <mc:Fallback>
+          <mc:Fallback xmlns="">
             <p:sp>
               <p:nvSpPr>
                 <p:cNvPr id="72" name="テキスト ボックス 71"/>
@@ -4924,8 +4916,8 @@
             </p:sp>
           </mc:Fallback>
         </mc:AlternateContent>
-        <mc:AlternateContent xmlns:mc="http://schemas.openxmlformats.org/markup-compatibility/2006">
-          <mc:Choice xmlns:a14="http://schemas.microsoft.com/office/drawing/2010/main" Requires="a14">
+        <mc:AlternateContent xmlns:mc="http://schemas.openxmlformats.org/markup-compatibility/2006" xmlns:a14="http://schemas.microsoft.com/office/drawing/2010/main">
+          <mc:Choice Requires="a14">
             <p:sp>
               <p:nvSpPr>
                 <p:cNvPr id="73" name="テキスト ボックス 72"/>
@@ -4935,7 +4927,7 @@
               <p:spPr>
                 <a:xfrm>
                   <a:off x="432003" y="1593292"/>
-                  <a:ext cx="277281" cy="276999"/>
+                  <a:ext cx="277281" cy="253916"/>
                 </a:xfrm>
                 <a:prstGeom prst="rect">
                   <a:avLst/>
@@ -4960,7 +4952,7 @@
                       </m:oMathParaPr>
                       <m:oMath xmlns:m="http://schemas.openxmlformats.org/officeDocument/2006/math">
                         <m:r>
-                          <a:rPr lang="en-US" altLang="ja-JP" sz="1200" b="0" i="1" smtClean="0">
+                          <a:rPr lang="en-US" altLang="ja-JP" sz="1050" b="0" i="1" smtClean="0">
                             <a:latin typeface="Cambria Math"/>
                             <a:ea typeface="HG丸ｺﾞｼｯｸM-PRO" panose="020F0600000000000000" pitchFamily="50" charset="-128"/>
                             <a:cs typeface="Courier New" pitchFamily="49" charset="0"/>
@@ -4970,7 +4962,7 @@
                       </m:oMath>
                     </m:oMathPara>
                   </a14:m>
-                  <a:endParaRPr lang="en-US" altLang="ja-JP" sz="1200">
+                  <a:endParaRPr lang="en-US" altLang="ja-JP" sz="1050">
                     <a:latin typeface="HG丸ｺﾞｼｯｸM-PRO" panose="020F0600000000000000" pitchFamily="50" charset="-128"/>
                     <a:ea typeface="HG丸ｺﾞｼｯｸM-PRO" panose="020F0600000000000000" pitchFamily="50" charset="-128"/>
                     <a:cs typeface="Courier New" pitchFamily="49" charset="0"/>
@@ -4979,7 +4971,7 @@
               </p:txBody>
             </p:sp>
           </mc:Choice>
-          <mc:Fallback>
+          <mc:Fallback xmlns="">
             <p:sp>
               <p:nvSpPr>
                 <p:cNvPr id="73" name="テキスト ボックス 72"/>
@@ -5022,8 +5014,8 @@
             </p:sp>
           </mc:Fallback>
         </mc:AlternateContent>
-        <mc:AlternateContent xmlns:mc="http://schemas.openxmlformats.org/markup-compatibility/2006">
-          <mc:Choice xmlns:a14="http://schemas.microsoft.com/office/drawing/2010/main" Requires="a14">
+        <mc:AlternateContent xmlns:mc="http://schemas.openxmlformats.org/markup-compatibility/2006" xmlns:a14="http://schemas.microsoft.com/office/drawing/2010/main">
+          <mc:Choice Requires="a14">
             <p:sp>
               <p:nvSpPr>
                 <p:cNvPr id="74" name="テキスト ボックス 73"/>
@@ -5033,7 +5025,7 @@
               <p:spPr>
                 <a:xfrm>
                   <a:off x="859992" y="1614871"/>
-                  <a:ext cx="277281" cy="276999"/>
+                  <a:ext cx="277281" cy="253916"/>
                 </a:xfrm>
                 <a:prstGeom prst="rect">
                   <a:avLst/>
@@ -5058,7 +5050,7 @@
                       </m:oMathParaPr>
                       <m:oMath xmlns:m="http://schemas.openxmlformats.org/officeDocument/2006/math">
                         <m:r>
-                          <a:rPr lang="en-US" altLang="ja-JP" sz="1200" b="0" i="1" smtClean="0">
+                          <a:rPr lang="en-US" altLang="ja-JP" sz="1050" b="0" i="1" smtClean="0">
                             <a:latin typeface="Cambria Math"/>
                             <a:ea typeface="Cambria Math"/>
                             <a:cs typeface="Courier New" pitchFamily="49" charset="0"/>
@@ -5068,7 +5060,7 @@
                       </m:oMath>
                     </m:oMathPara>
                   </a14:m>
-                  <a:endParaRPr lang="en-US" altLang="ja-JP" sz="1200">
+                  <a:endParaRPr lang="en-US" altLang="ja-JP" sz="1050">
                     <a:latin typeface="HG丸ｺﾞｼｯｸM-PRO" panose="020F0600000000000000" pitchFamily="50" charset="-128"/>
                     <a:ea typeface="HG丸ｺﾞｼｯｸM-PRO" panose="020F0600000000000000" pitchFamily="50" charset="-128"/>
                     <a:cs typeface="Courier New" pitchFamily="49" charset="0"/>
@@ -5077,7 +5069,7 @@
               </p:txBody>
             </p:sp>
           </mc:Choice>
-          <mc:Fallback>
+          <mc:Fallback xmlns="">
             <p:sp>
               <p:nvSpPr>
                 <p:cNvPr id="74" name="テキスト ボックス 73"/>
@@ -5120,8 +5112,8 @@
             </p:sp>
           </mc:Fallback>
         </mc:AlternateContent>
-        <mc:AlternateContent xmlns:mc="http://schemas.openxmlformats.org/markup-compatibility/2006">
-          <mc:Choice xmlns:a14="http://schemas.microsoft.com/office/drawing/2010/main" Requires="a14">
+        <mc:AlternateContent xmlns:mc="http://schemas.openxmlformats.org/markup-compatibility/2006" xmlns:a14="http://schemas.microsoft.com/office/drawing/2010/main">
+          <mc:Choice Requires="a14">
             <p:sp>
               <p:nvSpPr>
                 <p:cNvPr id="75" name="テキスト ボックス 74"/>
@@ -5131,7 +5123,7 @@
               <p:spPr>
                 <a:xfrm>
                   <a:off x="1464044" y="1620732"/>
-                  <a:ext cx="277281" cy="276999"/>
+                  <a:ext cx="277281" cy="253916"/>
                 </a:xfrm>
                 <a:prstGeom prst="rect">
                   <a:avLst/>
@@ -5156,7 +5148,7 @@
                       </m:oMathParaPr>
                       <m:oMath xmlns:m="http://schemas.openxmlformats.org/officeDocument/2006/math">
                         <m:r>
-                          <a:rPr lang="en-US" altLang="ja-JP" sz="1200" b="0" i="1" smtClean="0">
+                          <a:rPr lang="en-US" altLang="ja-JP" sz="1050" b="0" i="1" smtClean="0">
                             <a:latin typeface="Cambria Math"/>
                             <a:ea typeface="Cambria Math"/>
                             <a:cs typeface="Courier New" pitchFamily="49" charset="0"/>
@@ -5166,7 +5158,7 @@
                       </m:oMath>
                     </m:oMathPara>
                   </a14:m>
-                  <a:endParaRPr lang="en-US" altLang="ja-JP" sz="1200">
+                  <a:endParaRPr lang="en-US" altLang="ja-JP" sz="1050">
                     <a:latin typeface="HG丸ｺﾞｼｯｸM-PRO" panose="020F0600000000000000" pitchFamily="50" charset="-128"/>
                     <a:ea typeface="HG丸ｺﾞｼｯｸM-PRO" panose="020F0600000000000000" pitchFamily="50" charset="-128"/>
                     <a:cs typeface="Courier New" pitchFamily="49" charset="0"/>
@@ -5175,7 +5167,7 @@
               </p:txBody>
             </p:sp>
           </mc:Choice>
-          <mc:Fallback>
+          <mc:Fallback xmlns="">
             <p:sp>
               <p:nvSpPr>
                 <p:cNvPr id="75" name="テキスト ボックス 74"/>

--- a/img/pappus.pptx
+++ b/img/pappus.pptx
@@ -1966,13 +1966,15 @@
         <p:cxnSp>
           <p:nvCxnSpPr>
             <p:cNvPr id="37" name="直線矢印コネクタ 36"/>
-            <p:cNvCxnSpPr/>
+            <p:cNvCxnSpPr>
+              <a:endCxn id="45" idx="1"/>
+            </p:cNvCxnSpPr>
             <p:nvPr/>
           </p:nvCxnSpPr>
           <p:spPr>
             <a:xfrm flipV="1">
-              <a:off x="2094460" y="1283246"/>
-              <a:ext cx="1582500" cy="223758"/>
+              <a:off x="2075729" y="1245084"/>
+              <a:ext cx="1565794" cy="279931"/>
             </a:xfrm>
             <a:prstGeom prst="straightConnector1">
               <a:avLst/>
@@ -2259,15 +2261,13 @@
         <p:cxnSp>
           <p:nvCxnSpPr>
             <p:cNvPr id="26" name="直線矢印コネクタ 25"/>
-            <p:cNvCxnSpPr>
-              <a:endCxn id="27" idx="2"/>
-            </p:cNvCxnSpPr>
+            <p:cNvCxnSpPr/>
             <p:nvPr/>
           </p:nvCxnSpPr>
           <p:spPr>
             <a:xfrm flipV="1">
-              <a:off x="2310484" y="1398030"/>
-              <a:ext cx="431210" cy="973071"/>
+              <a:off x="2310484" y="1415833"/>
+              <a:ext cx="403278" cy="955269"/>
             </a:xfrm>
             <a:prstGeom prst="straightConnector1">
               <a:avLst/>
@@ -2822,14 +2822,13 @@
             <p:cNvPr id="33" name="直線矢印コネクタ 32"/>
             <p:cNvCxnSpPr>
               <a:stCxn id="31" idx="0"/>
-              <a:endCxn id="27" idx="2"/>
             </p:cNvCxnSpPr>
             <p:nvPr/>
           </p:nvCxnSpPr>
           <p:spPr>
             <a:xfrm flipH="1" flipV="1">
-              <a:off x="2741694" y="1398030"/>
-              <a:ext cx="972527" cy="1037344"/>
+              <a:off x="2720586" y="1422657"/>
+              <a:ext cx="993635" cy="1012717"/>
             </a:xfrm>
             <a:prstGeom prst="straightConnector1">
               <a:avLst/>
@@ -3017,8 +3016,8 @@
           </p:nvCxnSpPr>
           <p:spPr>
             <a:xfrm flipV="1">
-              <a:off x="1968018" y="1766353"/>
-              <a:ext cx="1775274" cy="66907"/>
+              <a:off x="1949487" y="1766354"/>
+              <a:ext cx="1793805" cy="62324"/>
             </a:xfrm>
             <a:prstGeom prst="straightConnector1">
               <a:avLst/>
